--- a/Maqueta funcional presentación.pptx
+++ b/Maqueta funcional presentación.pptx
@@ -7,11 +7,12 @@
   <p:sldIdLst>
     <p:sldId id="256" r:id="rId2"/>
     <p:sldId id="261" r:id="rId3"/>
-    <p:sldId id="258" r:id="rId4"/>
-    <p:sldId id="260" r:id="rId5"/>
-    <p:sldId id="257" r:id="rId6"/>
-    <p:sldId id="259" r:id="rId7"/>
-    <p:sldId id="264" r:id="rId8"/>
+    <p:sldId id="265" r:id="rId4"/>
+    <p:sldId id="258" r:id="rId5"/>
+    <p:sldId id="260" r:id="rId6"/>
+    <p:sldId id="257" r:id="rId7"/>
+    <p:sldId id="259" r:id="rId8"/>
+    <p:sldId id="264" r:id="rId9"/>
   </p:sldIdLst>
   <p:sldSz cx="12192000" cy="6858000"/>
   <p:notesSz cx="6858000" cy="9144000"/>
@@ -110,6 +111,11 @@
       </a:defRPr>
     </a:lvl9pPr>
   </p:defaultTextStyle>
+  <p:extLst>
+    <p:ext uri="{EFAFB233-063F-42B5-8137-9DF3F51BA10A}">
+      <p15:sldGuideLst xmlns:p15="http://schemas.microsoft.com/office/powerpoint/2012/main"/>
+    </p:ext>
+  </p:extLst>
 </p:presentation>
 </file>
 
@@ -6243,7 +6249,7 @@
         <p:spPr/>
         <p:txBody>
           <a:bodyPr>
-            <a:normAutofit lnSpcReduction="10000"/>
+            <a:normAutofit/>
           </a:bodyPr>
           <a:lstStyle/>
           <a:p>
@@ -6258,12 +6264,6 @@
             <a:r>
               <a:rPr lang="es-ES" dirty="0"/>
               <a:t>. Con este aumento, existe una demanda creciente de herramientas que ayuden a los jugadores a mejorar sus habilidades y realizar un seguimiento eficaz de su progreso. La oportunidad de tener una aplicación que permita ofrecer a los usuarios una plataforma integral para la capacitación, el seguimiento del rendimiento y el establecimiento de objetivos en los juegos es una alternativa que hoy se quiere evaluar.</a:t>
-            </a:r>
-          </a:p>
-          <a:p>
-            <a:r>
-              <a:rPr lang="es-ES" dirty="0"/>
-              <a:t>Mantener una lista de información relevante para un juego, manejar los juegos favoritos y niveles de habilidad es información relevante a considerar. Complementar esto con la posibilidad de gestionar o realizar rutinas de entrenamiento predefinidas adaptadas a juegos o habilidades específicas.</a:t>
             </a:r>
             <a:endParaRPr lang="es-CL" dirty="0"/>
           </a:p>
@@ -6304,7 +6304,7 @@
           <p:cNvPr id="2" name="Título 1">
             <a:extLst>
               <a:ext uri="{FF2B5EF4-FFF2-40B4-BE49-F238E27FC236}">
-                <a16:creationId xmlns:a16="http://schemas.microsoft.com/office/drawing/2014/main" id="{5185D218-D71D-E9CE-A1B0-AEBC7E52A8D4}"/>
+                <a16:creationId xmlns:a16="http://schemas.microsoft.com/office/drawing/2014/main" id="{0C6C3551-D3E3-25B7-C075-E4D27824F9D4}"/>
               </a:ext>
             </a:extLst>
           </p:cNvPr>
@@ -6322,7 +6322,7 @@
           <a:p>
             <a:r>
               <a:rPr lang="es-CL" dirty="0"/>
-              <a:t>Requerimientos funcionales</a:t>
+              <a:t>Solución propuesta</a:t>
             </a:r>
           </a:p>
         </p:txBody>
@@ -6332,7 +6332,7 @@
           <p:cNvPr id="3" name="Marcador de contenido 2">
             <a:extLst>
               <a:ext uri="{FF2B5EF4-FFF2-40B4-BE49-F238E27FC236}">
-                <a16:creationId xmlns:a16="http://schemas.microsoft.com/office/drawing/2014/main" id="{5EDC1F2C-30D9-DC77-F251-5B308470346E}"/>
+                <a16:creationId xmlns:a16="http://schemas.microsoft.com/office/drawing/2014/main" id="{2E06654C-77B1-5EB3-0D1D-836C9EFAAF63}"/>
               </a:ext>
             </a:extLst>
           </p:cNvPr>
@@ -6345,97 +6345,25 @@
         </p:nvSpPr>
         <p:spPr/>
         <p:txBody>
-          <a:bodyPr>
-            <a:normAutofit fontScale="85000" lnSpcReduction="20000"/>
-          </a:bodyPr>
-          <a:lstStyle/>
-          <a:p>
-            <a:pPr>
-              <a:buFont typeface="Wingdings" panose="05000000000000000000" pitchFamily="2" charset="2"/>
-              <a:buChar char="Ø"/>
-            </a:pPr>
-            <a:r>
-              <a:rPr lang="es-ES" dirty="0"/>
-              <a:t>El sistema debe permitir al usuario cambiar de videojuego.</a:t>
-            </a:r>
-          </a:p>
-          <a:p>
-            <a:pPr>
-              <a:buFont typeface="Wingdings" panose="05000000000000000000" pitchFamily="2" charset="2"/>
-              <a:buChar char="Ø"/>
-            </a:pPr>
-            <a:r>
-              <a:rPr lang="es-ES" dirty="0"/>
-              <a:t>El sistema debe permitir al usuario crear, editar, compartir, visualizar, comentar y puntuar guías de estrategias.</a:t>
-            </a:r>
-          </a:p>
-          <a:p>
-            <a:pPr>
-              <a:buFont typeface="Wingdings" panose="05000000000000000000" pitchFamily="2" charset="2"/>
-              <a:buChar char="Ø"/>
-            </a:pPr>
-            <a:r>
-              <a:rPr lang="es-ES" dirty="0"/>
-              <a:t>El sistema debe permitir al usuario crear, editar, eliminar, compartir, visualizar, comentar y puntuar rutinas de los juegos.</a:t>
-            </a:r>
-          </a:p>
-          <a:p>
-            <a:pPr>
-              <a:buFont typeface="Wingdings" panose="05000000000000000000" pitchFamily="2" charset="2"/>
-              <a:buChar char="Ø"/>
-            </a:pPr>
-            <a:r>
-              <a:rPr lang="es-ES" dirty="0"/>
-              <a:t>El sistema debe permitir al usuario ver los datos y estadísticas de los personajes de los juegos.</a:t>
-            </a:r>
-          </a:p>
-          <a:p>
-            <a:pPr>
-              <a:buFont typeface="Wingdings" panose="05000000000000000000" pitchFamily="2" charset="2"/>
-              <a:buChar char="Ø"/>
-            </a:pPr>
-            <a:r>
-              <a:rPr lang="es-ES" dirty="0"/>
-              <a:t>El sistema debe permitir al usuario vincular sus cuentas de los juegos.</a:t>
-            </a:r>
-          </a:p>
-          <a:p>
-            <a:pPr>
-              <a:buFont typeface="Wingdings" panose="05000000000000000000" pitchFamily="2" charset="2"/>
-              <a:buChar char="Ø"/>
-            </a:pPr>
-            <a:r>
-              <a:rPr lang="es-ES" dirty="0"/>
-              <a:t>El sistema debe permitir al usuario ver y mostrar su estado de conexión y rango del juego.</a:t>
-            </a:r>
-          </a:p>
-          <a:p>
-            <a:pPr>
-              <a:buFont typeface="Wingdings" panose="05000000000000000000" pitchFamily="2" charset="2"/>
-              <a:buChar char="Ø"/>
-            </a:pPr>
-            <a:r>
-              <a:rPr lang="es-ES" dirty="0"/>
-              <a:t>El sistema debe permitir al usuario ver su progreso de rutinas creadas, completadas y en progreso.</a:t>
-            </a:r>
-          </a:p>
-          <a:p>
-            <a:pPr>
-              <a:buFont typeface="Wingdings" panose="05000000000000000000" pitchFamily="2" charset="2"/>
-              <a:buChar char="Ø"/>
-            </a:pPr>
-            <a:r>
-              <a:rPr lang="es-ES" dirty="0"/>
-              <a:t>El sistema debe gestionar las paginas de estrategias, rutinas, personajes y perfil según el videojuego seleccionado.</a:t>
-            </a:r>
-            <a:endParaRPr lang="es-CL" dirty="0"/>
+          <a:bodyPr/>
+          <a:lstStyle/>
+          <a:p>
+            <a:r>
+              <a:rPr lang="es-CL" sz="1800" kern="100" dirty="0">
+                <a:effectLst/>
+                <a:latin typeface="+mn-lt"/>
+                <a:ea typeface="Yu Gothic" panose="020B0400000000000000" pitchFamily="34" charset="-128"/>
+                <a:cs typeface="Times New Roman" panose="02020603050405020304" pitchFamily="18" charset="0"/>
+              </a:rPr>
+              <a:t>Una maqueta funcional de una app que permita al público objetivo mejorar en videojuegos de lucha, esta principalmente ofrece una vinculación con las cuentas de sus respectivos videojuegos, descripciones de estos mismos, creación de rutinas de entrenamiento, y datos y guías del juego.</a:t>
+            </a:r>
           </a:p>
         </p:txBody>
       </p:sp>
     </p:spTree>
     <p:extLst>
       <p:ext uri="{BB962C8B-B14F-4D97-AF65-F5344CB8AC3E}">
-        <p14:creationId xmlns:p14="http://schemas.microsoft.com/office/powerpoint/2010/main" val="3968139300"/>
+        <p14:creationId xmlns:p14="http://schemas.microsoft.com/office/powerpoint/2010/main" val="4032401067"/>
       </p:ext>
     </p:extLst>
   </p:cSld>
@@ -6467,6 +6395,169 @@
           <p:cNvPr id="2" name="Título 1">
             <a:extLst>
               <a:ext uri="{FF2B5EF4-FFF2-40B4-BE49-F238E27FC236}">
+                <a16:creationId xmlns:a16="http://schemas.microsoft.com/office/drawing/2014/main" id="{5185D218-D71D-E9CE-A1B0-AEBC7E52A8D4}"/>
+              </a:ext>
+            </a:extLst>
+          </p:cNvPr>
+          <p:cNvSpPr>
+            <a:spLocks noGrp="1"/>
+          </p:cNvSpPr>
+          <p:nvPr>
+            <p:ph type="title"/>
+          </p:nvPr>
+        </p:nvSpPr>
+        <p:spPr/>
+        <p:txBody>
+          <a:bodyPr/>
+          <a:lstStyle/>
+          <a:p>
+            <a:r>
+              <a:rPr lang="es-CL" dirty="0"/>
+              <a:t>Requerimientos funcionales</a:t>
+            </a:r>
+          </a:p>
+        </p:txBody>
+      </p:sp>
+      <p:sp>
+        <p:nvSpPr>
+          <p:cNvPr id="3" name="Marcador de contenido 2">
+            <a:extLst>
+              <a:ext uri="{FF2B5EF4-FFF2-40B4-BE49-F238E27FC236}">
+                <a16:creationId xmlns:a16="http://schemas.microsoft.com/office/drawing/2014/main" id="{5EDC1F2C-30D9-DC77-F251-5B308470346E}"/>
+              </a:ext>
+            </a:extLst>
+          </p:cNvPr>
+          <p:cNvSpPr>
+            <a:spLocks noGrp="1"/>
+          </p:cNvSpPr>
+          <p:nvPr>
+            <p:ph idx="1"/>
+          </p:nvPr>
+        </p:nvSpPr>
+        <p:spPr/>
+        <p:txBody>
+          <a:bodyPr>
+            <a:normAutofit fontScale="85000" lnSpcReduction="20000"/>
+          </a:bodyPr>
+          <a:lstStyle/>
+          <a:p>
+            <a:pPr>
+              <a:buFont typeface="Wingdings" panose="05000000000000000000" pitchFamily="2" charset="2"/>
+              <a:buChar char="Ø"/>
+            </a:pPr>
+            <a:r>
+              <a:rPr lang="es-ES" dirty="0"/>
+              <a:t>El sistema debe permitir al usuario cambiar de videojuego.</a:t>
+            </a:r>
+          </a:p>
+          <a:p>
+            <a:pPr>
+              <a:buFont typeface="Wingdings" panose="05000000000000000000" pitchFamily="2" charset="2"/>
+              <a:buChar char="Ø"/>
+            </a:pPr>
+            <a:r>
+              <a:rPr lang="es-ES" dirty="0"/>
+              <a:t>El sistema debe permitir al usuario crear, editar, compartir, visualizar, comentar y puntuar guías de estrategias.</a:t>
+            </a:r>
+          </a:p>
+          <a:p>
+            <a:pPr>
+              <a:buFont typeface="Wingdings" panose="05000000000000000000" pitchFamily="2" charset="2"/>
+              <a:buChar char="Ø"/>
+            </a:pPr>
+            <a:r>
+              <a:rPr lang="es-ES" dirty="0"/>
+              <a:t>El sistema debe permitir al usuario crear, editar, eliminar, compartir, visualizar, comentar y puntuar rutinas de los juegos.</a:t>
+            </a:r>
+          </a:p>
+          <a:p>
+            <a:pPr>
+              <a:buFont typeface="Wingdings" panose="05000000000000000000" pitchFamily="2" charset="2"/>
+              <a:buChar char="Ø"/>
+            </a:pPr>
+            <a:r>
+              <a:rPr lang="es-ES" dirty="0"/>
+              <a:t>El sistema debe permitir al usuario ver los datos y estadísticas de los personajes de los juegos.</a:t>
+            </a:r>
+          </a:p>
+          <a:p>
+            <a:pPr>
+              <a:buFont typeface="Wingdings" panose="05000000000000000000" pitchFamily="2" charset="2"/>
+              <a:buChar char="Ø"/>
+            </a:pPr>
+            <a:r>
+              <a:rPr lang="es-ES" dirty="0"/>
+              <a:t>El sistema debe permitir al usuario vincular sus cuentas de los juegos.</a:t>
+            </a:r>
+          </a:p>
+          <a:p>
+            <a:pPr>
+              <a:buFont typeface="Wingdings" panose="05000000000000000000" pitchFamily="2" charset="2"/>
+              <a:buChar char="Ø"/>
+            </a:pPr>
+            <a:r>
+              <a:rPr lang="es-ES" dirty="0"/>
+              <a:t>El sistema debe permitir al usuario ver y mostrar su estado de conexión y rango del juego.</a:t>
+            </a:r>
+          </a:p>
+          <a:p>
+            <a:pPr>
+              <a:buFont typeface="Wingdings" panose="05000000000000000000" pitchFamily="2" charset="2"/>
+              <a:buChar char="Ø"/>
+            </a:pPr>
+            <a:r>
+              <a:rPr lang="es-ES" dirty="0"/>
+              <a:t>El sistema debe permitir al usuario ver su progreso de rutinas creadas, completadas y en progreso.</a:t>
+            </a:r>
+          </a:p>
+          <a:p>
+            <a:pPr>
+              <a:buFont typeface="Wingdings" panose="05000000000000000000" pitchFamily="2" charset="2"/>
+              <a:buChar char="Ø"/>
+            </a:pPr>
+            <a:r>
+              <a:rPr lang="es-ES" dirty="0"/>
+              <a:t>El sistema debe gestionar las paginas de estrategias, rutinas, personajes y perfil según el videojuego seleccionado.</a:t>
+            </a:r>
+            <a:endParaRPr lang="es-CL" dirty="0"/>
+          </a:p>
+        </p:txBody>
+      </p:sp>
+    </p:spTree>
+    <p:extLst>
+      <p:ext uri="{BB962C8B-B14F-4D97-AF65-F5344CB8AC3E}">
+        <p14:creationId xmlns:p14="http://schemas.microsoft.com/office/powerpoint/2010/main" val="3968139300"/>
+      </p:ext>
+    </p:extLst>
+  </p:cSld>
+  <p:clrMapOvr>
+    <a:masterClrMapping/>
+  </p:clrMapOvr>
+</p:sld>
+</file>
+
+<file path=ppt/slides/slide5.xml><?xml version="1.0" encoding="utf-8"?>
+<p:sld xmlns:a="http://schemas.openxmlformats.org/drawingml/2006/main" xmlns:r="http://schemas.openxmlformats.org/officeDocument/2006/relationships" xmlns:p="http://schemas.openxmlformats.org/presentationml/2006/main">
+  <p:cSld>
+    <p:spTree>
+      <p:nvGrpSpPr>
+        <p:cNvPr id="1" name=""/>
+        <p:cNvGrpSpPr/>
+        <p:nvPr/>
+      </p:nvGrpSpPr>
+      <p:grpSpPr>
+        <a:xfrm>
+          <a:off x="0" y="0"/>
+          <a:ext cx="0" cy="0"/>
+          <a:chOff x="0" y="0"/>
+          <a:chExt cx="0" cy="0"/>
+        </a:xfrm>
+      </p:grpSpPr>
+      <p:sp>
+        <p:nvSpPr>
+          <p:cNvPr id="2" name="Título 1">
+            <a:extLst>
+              <a:ext uri="{FF2B5EF4-FFF2-40B4-BE49-F238E27FC236}">
                 <a16:creationId xmlns:a16="http://schemas.microsoft.com/office/drawing/2014/main" id="{6F24BDC3-E98C-3126-5117-49A0C2F99707}"/>
               </a:ext>
             </a:extLst>
@@ -6546,7 +6637,7 @@
 </p:sld>
 </file>
 
-<file path=ppt/slides/slide5.xml><?xml version="1.0" encoding="utf-8"?>
+<file path=ppt/slides/slide6.xml><?xml version="1.0" encoding="utf-8"?>
 <p:sld xmlns:a="http://schemas.openxmlformats.org/drawingml/2006/main" xmlns:r="http://schemas.openxmlformats.org/officeDocument/2006/relationships" xmlns:p="http://schemas.openxmlformats.org/presentationml/2006/main">
   <p:cSld>
     <p:bg>
@@ -6616,7 +6707,7 @@
 </p:sld>
 </file>
 
-<file path=ppt/slides/slide6.xml><?xml version="1.0" encoding="utf-8"?>
+<file path=ppt/slides/slide7.xml><?xml version="1.0" encoding="utf-8"?>
 <p:sld xmlns:a="http://schemas.openxmlformats.org/drawingml/2006/main" xmlns:r="http://schemas.openxmlformats.org/officeDocument/2006/relationships" xmlns:p="http://schemas.openxmlformats.org/presentationml/2006/main">
   <p:cSld>
     <p:spTree>
@@ -6775,8 +6866,8 @@
         </p:nvSpPr>
         <p:spPr>
           <a:xfrm>
-            <a:off x="7353085" y="5963215"/>
-            <a:ext cx="1237839" cy="369332"/>
+            <a:off x="6798446" y="5963215"/>
+            <a:ext cx="2347117" cy="369332"/>
           </a:xfrm>
           <a:prstGeom prst="rect">
             <a:avLst/>
@@ -6791,7 +6882,7 @@
           <a:p>
             <a:r>
               <a:rPr lang="es-CL" dirty="0"/>
-              <a:t>Maqueta</a:t>
+              <a:t>Maqueta funcional</a:t>
             </a:r>
           </a:p>
         </p:txBody>
@@ -6809,7 +6900,7 @@
 </p:sld>
 </file>
 
-<file path=ppt/slides/slide7.xml><?xml version="1.0" encoding="utf-8"?>
+<file path=ppt/slides/slide8.xml><?xml version="1.0" encoding="utf-8"?>
 <p:sld xmlns:a="http://schemas.openxmlformats.org/drawingml/2006/main" xmlns:r="http://schemas.openxmlformats.org/officeDocument/2006/relationships" xmlns:p="http://schemas.openxmlformats.org/presentationml/2006/main">
   <p:cSld>
     <p:spTree>
